--- a/申請Github帳號.pptx
+++ b/申請Github帳號.pptx
@@ -3722,10 +3722,30 @@
           <a:lstStyle/>
           <a:p>
             <a:r>
-              <a:rPr lang="en-US" altLang="zh-TW"/>
+              <a:rPr lang="en-US" altLang="zh-TW" dirty="0">
+                <a:hlinkClick r:id="rId2"/>
+              </a:rPr>
+              <a:t>https://github.com/pwangstustmis/proj20251104</a:t>
+            </a:r>
+            <a:endParaRPr lang="en-US" altLang="zh-TW" dirty="0"/>
+          </a:p>
+          <a:p>
+            <a:endParaRPr lang="en-US" altLang="zh-TW" dirty="0"/>
+          </a:p>
+          <a:p>
+            <a:r>
+              <a:rPr lang="zh-TW" altLang="en-US" dirty="0"/>
+              <a:t>安裝網址</a:t>
+            </a:r>
+            <a:endParaRPr lang="en-US" altLang="zh-TW" dirty="0"/>
+          </a:p>
+          <a:p>
+            <a:pPr lvl="1"/>
+            <a:r>
+              <a:rPr lang="en-US" altLang="zh-TW" dirty="0"/>
               <a:t>https://pwangstustmis.github.io/proj20251104/</a:t>
             </a:r>
-            <a:endParaRPr lang="zh-TW" altLang="en-US"/>
+            <a:endParaRPr lang="zh-TW" altLang="en-US" dirty="0"/>
           </a:p>
         </p:txBody>
       </p:sp>
